--- a/20학년도 1학기/데이터베이스 프로그래밍/블로그 포스팅 ppt.pptx
+++ b/20학년도 1학기/데이터베이스 프로그래밍/블로그 포스팅 ppt.pptx
@@ -122,6 +122,11 @@
       </a:defRPr>
     </a:lvl9pPr>
   </p:defaultTextStyle>
+  <p:extLst>
+    <p:ext uri="{EFAFB233-063F-42B5-8137-9DF3F51BA10A}">
+      <p15:sldGuideLst xmlns:p15="http://schemas.microsoft.com/office/powerpoint/2012/main"/>
+    </p:ext>
+  </p:extLst>
 </p:presentation>
 </file>
 
@@ -256,7 +261,7 @@
           <a:p>
             <a:fld id="{F844BAB6-CA62-461C-8F80-A81D52D9A390}" type="datetimeFigureOut">
               <a:rPr lang="ko-KR" altLang="en-US" smtClean="0"/>
-              <a:t>2020-04-10</a:t>
+              <a:t>2020-04-11</a:t>
             </a:fld>
             <a:endParaRPr lang="ko-KR" altLang="en-US"/>
           </a:p>
@@ -426,7 +431,7 @@
           <a:p>
             <a:fld id="{F844BAB6-CA62-461C-8F80-A81D52D9A390}" type="datetimeFigureOut">
               <a:rPr lang="ko-KR" altLang="en-US" smtClean="0"/>
-              <a:t>2020-04-10</a:t>
+              <a:t>2020-04-11</a:t>
             </a:fld>
             <a:endParaRPr lang="ko-KR" altLang="en-US"/>
           </a:p>
@@ -606,7 +611,7 @@
           <a:p>
             <a:fld id="{F844BAB6-CA62-461C-8F80-A81D52D9A390}" type="datetimeFigureOut">
               <a:rPr lang="ko-KR" altLang="en-US" smtClean="0"/>
-              <a:t>2020-04-10</a:t>
+              <a:t>2020-04-11</a:t>
             </a:fld>
             <a:endParaRPr lang="ko-KR" altLang="en-US"/>
           </a:p>
@@ -776,7 +781,7 @@
           <a:p>
             <a:fld id="{F844BAB6-CA62-461C-8F80-A81D52D9A390}" type="datetimeFigureOut">
               <a:rPr lang="ko-KR" altLang="en-US" smtClean="0"/>
-              <a:t>2020-04-10</a:t>
+              <a:t>2020-04-11</a:t>
             </a:fld>
             <a:endParaRPr lang="ko-KR" altLang="en-US"/>
           </a:p>
@@ -1022,7 +1027,7 @@
           <a:p>
             <a:fld id="{F844BAB6-CA62-461C-8F80-A81D52D9A390}" type="datetimeFigureOut">
               <a:rPr lang="ko-KR" altLang="en-US" smtClean="0"/>
-              <a:t>2020-04-10</a:t>
+              <a:t>2020-04-11</a:t>
             </a:fld>
             <a:endParaRPr lang="ko-KR" altLang="en-US"/>
           </a:p>
@@ -1254,7 +1259,7 @@
           <a:p>
             <a:fld id="{F844BAB6-CA62-461C-8F80-A81D52D9A390}" type="datetimeFigureOut">
               <a:rPr lang="ko-KR" altLang="en-US" smtClean="0"/>
-              <a:t>2020-04-10</a:t>
+              <a:t>2020-04-11</a:t>
             </a:fld>
             <a:endParaRPr lang="ko-KR" altLang="en-US"/>
           </a:p>
@@ -1621,7 +1626,7 @@
           <a:p>
             <a:fld id="{F844BAB6-CA62-461C-8F80-A81D52D9A390}" type="datetimeFigureOut">
               <a:rPr lang="ko-KR" altLang="en-US" smtClean="0"/>
-              <a:t>2020-04-10</a:t>
+              <a:t>2020-04-11</a:t>
             </a:fld>
             <a:endParaRPr lang="ko-KR" altLang="en-US"/>
           </a:p>
@@ -1739,7 +1744,7 @@
           <a:p>
             <a:fld id="{F844BAB6-CA62-461C-8F80-A81D52D9A390}" type="datetimeFigureOut">
               <a:rPr lang="ko-KR" altLang="en-US" smtClean="0"/>
-              <a:t>2020-04-10</a:t>
+              <a:t>2020-04-11</a:t>
             </a:fld>
             <a:endParaRPr lang="ko-KR" altLang="en-US"/>
           </a:p>
@@ -1834,7 +1839,7 @@
           <a:p>
             <a:fld id="{F844BAB6-CA62-461C-8F80-A81D52D9A390}" type="datetimeFigureOut">
               <a:rPr lang="ko-KR" altLang="en-US" smtClean="0"/>
-              <a:t>2020-04-10</a:t>
+              <a:t>2020-04-11</a:t>
             </a:fld>
             <a:endParaRPr lang="ko-KR" altLang="en-US"/>
           </a:p>
@@ -2111,7 +2116,7 @@
           <a:p>
             <a:fld id="{F844BAB6-CA62-461C-8F80-A81D52D9A390}" type="datetimeFigureOut">
               <a:rPr lang="ko-KR" altLang="en-US" smtClean="0"/>
-              <a:t>2020-04-10</a:t>
+              <a:t>2020-04-11</a:t>
             </a:fld>
             <a:endParaRPr lang="ko-KR" altLang="en-US"/>
           </a:p>
@@ -2364,7 +2369,7 @@
           <a:p>
             <a:fld id="{F844BAB6-CA62-461C-8F80-A81D52D9A390}" type="datetimeFigureOut">
               <a:rPr lang="ko-KR" altLang="en-US" smtClean="0"/>
-              <a:t>2020-04-10</a:t>
+              <a:t>2020-04-11</a:t>
             </a:fld>
             <a:endParaRPr lang="ko-KR" altLang="en-US"/>
           </a:p>
@@ -2577,7 +2582,7 @@
           <a:p>
             <a:fld id="{F844BAB6-CA62-461C-8F80-A81D52D9A390}" type="datetimeFigureOut">
               <a:rPr lang="ko-KR" altLang="en-US" smtClean="0"/>
-              <a:t>2020-04-10</a:t>
+              <a:t>2020-04-11</a:t>
             </a:fld>
             <a:endParaRPr lang="ko-KR" altLang="en-US"/>
           </a:p>
@@ -3788,7 +3793,7 @@
         </p:blipFill>
         <p:spPr>
           <a:xfrm>
-            <a:off x="278415" y="2731708"/>
+            <a:off x="167204" y="223286"/>
             <a:ext cx="5506218" cy="504895"/>
           </a:xfrm>
           <a:prstGeom prst="rect">
@@ -3812,8 +3817,392 @@
         </p:blipFill>
         <p:spPr>
           <a:xfrm>
-            <a:off x="6426536" y="1521865"/>
+            <a:off x="-394394" y="-986559"/>
             <a:ext cx="1933845" cy="2924583"/>
+          </a:xfrm>
+          <a:prstGeom prst="rect">
+            <a:avLst/>
+          </a:prstGeom>
+        </p:spPr>
+      </p:pic>
+      <p:pic>
+        <p:nvPicPr>
+          <p:cNvPr id="4" name="그림 3"/>
+          <p:cNvPicPr>
+            <a:picLocks noChangeAspect="1"/>
+          </p:cNvPicPr>
+          <p:nvPr/>
+        </p:nvPicPr>
+        <p:blipFill>
+          <a:blip r:embed="rId4"/>
+          <a:stretch>
+            <a:fillRect/>
+          </a:stretch>
+        </p:blipFill>
+        <p:spPr>
+          <a:xfrm>
+            <a:off x="4160487" y="-582"/>
+            <a:ext cx="1943371" cy="676369"/>
+          </a:xfrm>
+          <a:prstGeom prst="rect">
+            <a:avLst/>
+          </a:prstGeom>
+        </p:spPr>
+      </p:pic>
+      <p:pic>
+        <p:nvPicPr>
+          <p:cNvPr id="5" name="그림 4"/>
+          <p:cNvPicPr>
+            <a:picLocks noChangeAspect="1"/>
+          </p:cNvPicPr>
+          <p:nvPr/>
+        </p:nvPicPr>
+        <p:blipFill>
+          <a:blip r:embed="rId5"/>
+          <a:stretch>
+            <a:fillRect/>
+          </a:stretch>
+        </p:blipFill>
+        <p:spPr>
+          <a:xfrm>
+            <a:off x="871382" y="-52978"/>
+            <a:ext cx="2219635" cy="781159"/>
+          </a:xfrm>
+          <a:prstGeom prst="rect">
+            <a:avLst/>
+          </a:prstGeom>
+        </p:spPr>
+      </p:pic>
+      <p:pic>
+        <p:nvPicPr>
+          <p:cNvPr id="6" name="그림 5"/>
+          <p:cNvPicPr>
+            <a:picLocks noChangeAspect="1"/>
+          </p:cNvPicPr>
+          <p:nvPr/>
+        </p:nvPicPr>
+        <p:blipFill>
+          <a:blip r:embed="rId6"/>
+          <a:stretch>
+            <a:fillRect/>
+          </a:stretch>
+        </p:blipFill>
+        <p:spPr>
+          <a:xfrm>
+            <a:off x="1539451" y="428100"/>
+            <a:ext cx="4877481" cy="714475"/>
+          </a:xfrm>
+          <a:prstGeom prst="rect">
+            <a:avLst/>
+          </a:prstGeom>
+        </p:spPr>
+      </p:pic>
+      <p:pic>
+        <p:nvPicPr>
+          <p:cNvPr id="7" name="그림 6"/>
+          <p:cNvPicPr>
+            <a:picLocks noChangeAspect="1"/>
+          </p:cNvPicPr>
+          <p:nvPr/>
+        </p:nvPicPr>
+        <p:blipFill>
+          <a:blip r:embed="rId7"/>
+          <a:stretch>
+            <a:fillRect/>
+          </a:stretch>
+        </p:blipFill>
+        <p:spPr>
+          <a:xfrm>
+            <a:off x="8283738" y="237573"/>
+            <a:ext cx="1991003" cy="1095528"/>
+          </a:xfrm>
+          <a:prstGeom prst="rect">
+            <a:avLst/>
+          </a:prstGeom>
+        </p:spPr>
+      </p:pic>
+      <p:pic>
+        <p:nvPicPr>
+          <p:cNvPr id="8" name="그림 7"/>
+          <p:cNvPicPr>
+            <a:picLocks noChangeAspect="1"/>
+          </p:cNvPicPr>
+          <p:nvPr/>
+        </p:nvPicPr>
+        <p:blipFill>
+          <a:blip r:embed="rId8"/>
+          <a:stretch>
+            <a:fillRect/>
+          </a:stretch>
+        </p:blipFill>
+        <p:spPr>
+          <a:xfrm>
+            <a:off x="188007" y="518602"/>
+            <a:ext cx="4944165" cy="781159"/>
+          </a:xfrm>
+          <a:prstGeom prst="rect">
+            <a:avLst/>
+          </a:prstGeom>
+        </p:spPr>
+      </p:pic>
+      <p:pic>
+        <p:nvPicPr>
+          <p:cNvPr id="9" name="그림 8"/>
+          <p:cNvPicPr>
+            <a:picLocks noChangeAspect="1"/>
+          </p:cNvPicPr>
+          <p:nvPr/>
+        </p:nvPicPr>
+        <p:blipFill>
+          <a:blip r:embed="rId9"/>
+          <a:stretch>
+            <a:fillRect/>
+          </a:stretch>
+        </p:blipFill>
+        <p:spPr>
+          <a:xfrm>
+            <a:off x="6091285" y="-306706"/>
+            <a:ext cx="1867161" cy="1571844"/>
+          </a:xfrm>
+          <a:prstGeom prst="rect">
+            <a:avLst/>
+          </a:prstGeom>
+        </p:spPr>
+      </p:pic>
+      <p:pic>
+        <p:nvPicPr>
+          <p:cNvPr id="10" name="그림 9"/>
+          <p:cNvPicPr>
+            <a:picLocks noChangeAspect="1"/>
+          </p:cNvPicPr>
+          <p:nvPr/>
+        </p:nvPicPr>
+        <p:blipFill>
+          <a:blip r:embed="rId10"/>
+          <a:stretch>
+            <a:fillRect/>
+          </a:stretch>
+        </p:blipFill>
+        <p:spPr>
+          <a:xfrm>
+            <a:off x="1683641" y="1124624"/>
+            <a:ext cx="4953691" cy="695422"/>
+          </a:xfrm>
+          <a:prstGeom prst="rect">
+            <a:avLst/>
+          </a:prstGeom>
+        </p:spPr>
+      </p:pic>
+      <p:pic>
+        <p:nvPicPr>
+          <p:cNvPr id="11" name="그림 10"/>
+          <p:cNvPicPr>
+            <a:picLocks noChangeAspect="1"/>
+          </p:cNvPicPr>
+          <p:nvPr/>
+        </p:nvPicPr>
+        <p:blipFill>
+          <a:blip r:embed="rId11"/>
+          <a:stretch>
+            <a:fillRect/>
+          </a:stretch>
+        </p:blipFill>
+        <p:spPr>
+          <a:xfrm>
+            <a:off x="8424390" y="376807"/>
+            <a:ext cx="1924319" cy="2191056"/>
+          </a:xfrm>
+          <a:prstGeom prst="rect">
+            <a:avLst/>
+          </a:prstGeom>
+        </p:spPr>
+      </p:pic>
+      <p:pic>
+        <p:nvPicPr>
+          <p:cNvPr id="12" name="그림 11"/>
+          <p:cNvPicPr>
+            <a:picLocks noChangeAspect="1"/>
+          </p:cNvPicPr>
+          <p:nvPr/>
+        </p:nvPicPr>
+        <p:blipFill>
+          <a:blip r:embed="rId12"/>
+          <a:stretch>
+            <a:fillRect/>
+          </a:stretch>
+        </p:blipFill>
+        <p:spPr>
+          <a:xfrm>
+            <a:off x="523799" y="137549"/>
+            <a:ext cx="4925112" cy="762106"/>
+          </a:xfrm>
+          <a:prstGeom prst="rect">
+            <a:avLst/>
+          </a:prstGeom>
+        </p:spPr>
+      </p:pic>
+      <p:pic>
+        <p:nvPicPr>
+          <p:cNvPr id="13" name="그림 12"/>
+          <p:cNvPicPr>
+            <a:picLocks noChangeAspect="1"/>
+          </p:cNvPicPr>
+          <p:nvPr/>
+        </p:nvPicPr>
+        <p:blipFill>
+          <a:blip r:embed="rId13"/>
+          <a:stretch>
+            <a:fillRect/>
+          </a:stretch>
+        </p:blipFill>
+        <p:spPr>
+          <a:xfrm>
+            <a:off x="7502453" y="-300663"/>
+            <a:ext cx="1829055" cy="1638529"/>
+          </a:xfrm>
+          <a:prstGeom prst="rect">
+            <a:avLst/>
+          </a:prstGeom>
+        </p:spPr>
+      </p:pic>
+      <p:pic>
+        <p:nvPicPr>
+          <p:cNvPr id="14" name="그림 13"/>
+          <p:cNvPicPr>
+            <a:picLocks noChangeAspect="1"/>
+          </p:cNvPicPr>
+          <p:nvPr/>
+        </p:nvPicPr>
+        <p:blipFill>
+          <a:blip r:embed="rId14"/>
+          <a:stretch>
+            <a:fillRect/>
+          </a:stretch>
+        </p:blipFill>
+        <p:spPr>
+          <a:xfrm>
+            <a:off x="460155" y="352517"/>
+            <a:ext cx="4782217" cy="762106"/>
+          </a:xfrm>
+          <a:prstGeom prst="rect">
+            <a:avLst/>
+          </a:prstGeom>
+        </p:spPr>
+      </p:pic>
+      <p:pic>
+        <p:nvPicPr>
+          <p:cNvPr id="15" name="그림 14"/>
+          <p:cNvPicPr>
+            <a:picLocks noChangeAspect="1"/>
+          </p:cNvPicPr>
+          <p:nvPr/>
+        </p:nvPicPr>
+        <p:blipFill>
+          <a:blip r:embed="rId15"/>
+          <a:stretch>
+            <a:fillRect/>
+          </a:stretch>
+        </p:blipFill>
+        <p:spPr>
+          <a:xfrm>
+            <a:off x="6441155" y="610202"/>
+            <a:ext cx="1790950" cy="1209844"/>
+          </a:xfrm>
+          <a:prstGeom prst="rect">
+            <a:avLst/>
+          </a:prstGeom>
+        </p:spPr>
+      </p:pic>
+      <p:pic>
+        <p:nvPicPr>
+          <p:cNvPr id="16" name="그림 15"/>
+          <p:cNvPicPr>
+            <a:picLocks noChangeAspect="1"/>
+          </p:cNvPicPr>
+          <p:nvPr/>
+        </p:nvPicPr>
+        <p:blipFill>
+          <a:blip r:embed="rId16"/>
+          <a:stretch>
+            <a:fillRect/>
+          </a:stretch>
+        </p:blipFill>
+        <p:spPr>
+          <a:xfrm>
+            <a:off x="1010027" y="905044"/>
+            <a:ext cx="4839375" cy="724001"/>
+          </a:xfrm>
+          <a:prstGeom prst="rect">
+            <a:avLst/>
+          </a:prstGeom>
+        </p:spPr>
+      </p:pic>
+      <p:pic>
+        <p:nvPicPr>
+          <p:cNvPr id="17" name="그림 16"/>
+          <p:cNvPicPr>
+            <a:picLocks noChangeAspect="1"/>
+          </p:cNvPicPr>
+          <p:nvPr/>
+        </p:nvPicPr>
+        <p:blipFill>
+          <a:blip r:embed="rId17"/>
+          <a:stretch>
+            <a:fillRect/>
+          </a:stretch>
+        </p:blipFill>
+        <p:spPr>
+          <a:xfrm>
+            <a:off x="6335850" y="1386597"/>
+            <a:ext cx="1886213" cy="800212"/>
+          </a:xfrm>
+          <a:prstGeom prst="rect">
+            <a:avLst/>
+          </a:prstGeom>
+        </p:spPr>
+      </p:pic>
+      <p:pic>
+        <p:nvPicPr>
+          <p:cNvPr id="18" name="그림 17"/>
+          <p:cNvPicPr>
+            <a:picLocks noChangeAspect="1"/>
+          </p:cNvPicPr>
+          <p:nvPr/>
+        </p:nvPicPr>
+        <p:blipFill>
+          <a:blip r:embed="rId18"/>
+          <a:stretch>
+            <a:fillRect/>
+          </a:stretch>
+        </p:blipFill>
+        <p:spPr>
+          <a:xfrm>
+            <a:off x="523799" y="5004389"/>
+            <a:ext cx="6554115" cy="685896"/>
+          </a:xfrm>
+          <a:prstGeom prst="rect">
+            <a:avLst/>
+          </a:prstGeom>
+        </p:spPr>
+      </p:pic>
+      <p:pic>
+        <p:nvPicPr>
+          <p:cNvPr id="19" name="그림 18"/>
+          <p:cNvPicPr>
+            <a:picLocks noChangeAspect="1"/>
+          </p:cNvPicPr>
+          <p:nvPr/>
+        </p:nvPicPr>
+        <p:blipFill>
+          <a:blip r:embed="rId19"/>
+          <a:stretch>
+            <a:fillRect/>
+          </a:stretch>
+        </p:blipFill>
+        <p:spPr>
+          <a:xfrm>
+            <a:off x="7502453" y="4204178"/>
+            <a:ext cx="2438740" cy="2286319"/>
           </a:xfrm>
           <a:prstGeom prst="rect">
             <a:avLst/>

--- a/20학년도 1학기/데이터베이스 프로그래밍/블로그 포스팅 ppt.pptx
+++ b/20학년도 1학기/데이터베이스 프로그래밍/블로그 포스팅 ppt.pptx
@@ -4239,6 +4239,102 @@
           <a:chExt cx="0" cy="0"/>
         </a:xfrm>
       </p:grpSpPr>
+      <p:pic>
+        <p:nvPicPr>
+          <p:cNvPr id="2" name="그림 1"/>
+          <p:cNvPicPr>
+            <a:picLocks noChangeAspect="1"/>
+          </p:cNvPicPr>
+          <p:nvPr/>
+        </p:nvPicPr>
+        <p:blipFill>
+          <a:blip r:embed="rId2"/>
+          <a:stretch>
+            <a:fillRect/>
+          </a:stretch>
+        </p:blipFill>
+        <p:spPr>
+          <a:xfrm>
+            <a:off x="728707" y="909330"/>
+            <a:ext cx="4877481" cy="714475"/>
+          </a:xfrm>
+          <a:prstGeom prst="rect">
+            <a:avLst/>
+          </a:prstGeom>
+        </p:spPr>
+      </p:pic>
+      <p:pic>
+        <p:nvPicPr>
+          <p:cNvPr id="3" name="그림 2"/>
+          <p:cNvPicPr>
+            <a:picLocks noChangeAspect="1"/>
+          </p:cNvPicPr>
+          <p:nvPr/>
+        </p:nvPicPr>
+        <p:blipFill>
+          <a:blip r:embed="rId3"/>
+          <a:stretch>
+            <a:fillRect/>
+          </a:stretch>
+        </p:blipFill>
+        <p:spPr>
+          <a:xfrm>
+            <a:off x="7780120" y="-831835"/>
+            <a:ext cx="1895740" cy="2915057"/>
+          </a:xfrm>
+          <a:prstGeom prst="rect">
+            <a:avLst/>
+          </a:prstGeom>
+        </p:spPr>
+      </p:pic>
+      <p:pic>
+        <p:nvPicPr>
+          <p:cNvPr id="4" name="그림 3"/>
+          <p:cNvPicPr>
+            <a:picLocks noChangeAspect="1"/>
+          </p:cNvPicPr>
+          <p:nvPr/>
+        </p:nvPicPr>
+        <p:blipFill>
+          <a:blip r:embed="rId4"/>
+          <a:stretch>
+            <a:fillRect/>
+          </a:stretch>
+        </p:blipFill>
+        <p:spPr>
+          <a:xfrm>
+            <a:off x="1099410" y="3641071"/>
+            <a:ext cx="4877481" cy="762106"/>
+          </a:xfrm>
+          <a:prstGeom prst="rect">
+            <a:avLst/>
+          </a:prstGeom>
+        </p:spPr>
+      </p:pic>
+      <p:pic>
+        <p:nvPicPr>
+          <p:cNvPr id="5" name="그림 4"/>
+          <p:cNvPicPr>
+            <a:picLocks noChangeAspect="1"/>
+          </p:cNvPicPr>
+          <p:nvPr/>
+        </p:nvPicPr>
+        <p:blipFill>
+          <a:blip r:embed="rId5"/>
+          <a:stretch>
+            <a:fillRect/>
+          </a:stretch>
+        </p:blipFill>
+        <p:spPr>
+          <a:xfrm>
+            <a:off x="7464504" y="2559832"/>
+            <a:ext cx="1933845" cy="2924583"/>
+          </a:xfrm>
+          <a:prstGeom prst="rect">
+            <a:avLst/>
+          </a:prstGeom>
+        </p:spPr>
+      </p:pic>
     </p:spTree>
     <p:extLst>
       <p:ext uri="{BB962C8B-B14F-4D97-AF65-F5344CB8AC3E}">

--- a/20학년도 1학기/데이터베이스 프로그래밍/블로그 포스팅 ppt.pptx
+++ b/20학년도 1학기/데이터베이스 프로그래밍/블로그 포스팅 ppt.pptx
@@ -261,7 +261,7 @@
           <a:p>
             <a:fld id="{F844BAB6-CA62-461C-8F80-A81D52D9A390}" type="datetimeFigureOut">
               <a:rPr lang="ko-KR" altLang="en-US" smtClean="0"/>
-              <a:t>2020-04-11</a:t>
+              <a:t>2020-04-15</a:t>
             </a:fld>
             <a:endParaRPr lang="ko-KR" altLang="en-US"/>
           </a:p>
@@ -431,7 +431,7 @@
           <a:p>
             <a:fld id="{F844BAB6-CA62-461C-8F80-A81D52D9A390}" type="datetimeFigureOut">
               <a:rPr lang="ko-KR" altLang="en-US" smtClean="0"/>
-              <a:t>2020-04-11</a:t>
+              <a:t>2020-04-15</a:t>
             </a:fld>
             <a:endParaRPr lang="ko-KR" altLang="en-US"/>
           </a:p>
@@ -611,7 +611,7 @@
           <a:p>
             <a:fld id="{F844BAB6-CA62-461C-8F80-A81D52D9A390}" type="datetimeFigureOut">
               <a:rPr lang="ko-KR" altLang="en-US" smtClean="0"/>
-              <a:t>2020-04-11</a:t>
+              <a:t>2020-04-15</a:t>
             </a:fld>
             <a:endParaRPr lang="ko-KR" altLang="en-US"/>
           </a:p>
@@ -781,7 +781,7 @@
           <a:p>
             <a:fld id="{F844BAB6-CA62-461C-8F80-A81D52D9A390}" type="datetimeFigureOut">
               <a:rPr lang="ko-KR" altLang="en-US" smtClean="0"/>
-              <a:t>2020-04-11</a:t>
+              <a:t>2020-04-15</a:t>
             </a:fld>
             <a:endParaRPr lang="ko-KR" altLang="en-US"/>
           </a:p>
@@ -1027,7 +1027,7 @@
           <a:p>
             <a:fld id="{F844BAB6-CA62-461C-8F80-A81D52D9A390}" type="datetimeFigureOut">
               <a:rPr lang="ko-KR" altLang="en-US" smtClean="0"/>
-              <a:t>2020-04-11</a:t>
+              <a:t>2020-04-15</a:t>
             </a:fld>
             <a:endParaRPr lang="ko-KR" altLang="en-US"/>
           </a:p>
@@ -1259,7 +1259,7 @@
           <a:p>
             <a:fld id="{F844BAB6-CA62-461C-8F80-A81D52D9A390}" type="datetimeFigureOut">
               <a:rPr lang="ko-KR" altLang="en-US" smtClean="0"/>
-              <a:t>2020-04-11</a:t>
+              <a:t>2020-04-15</a:t>
             </a:fld>
             <a:endParaRPr lang="ko-KR" altLang="en-US"/>
           </a:p>
@@ -1626,7 +1626,7 @@
           <a:p>
             <a:fld id="{F844BAB6-CA62-461C-8F80-A81D52D9A390}" type="datetimeFigureOut">
               <a:rPr lang="ko-KR" altLang="en-US" smtClean="0"/>
-              <a:t>2020-04-11</a:t>
+              <a:t>2020-04-15</a:t>
             </a:fld>
             <a:endParaRPr lang="ko-KR" altLang="en-US"/>
           </a:p>
@@ -1744,7 +1744,7 @@
           <a:p>
             <a:fld id="{F844BAB6-CA62-461C-8F80-A81D52D9A390}" type="datetimeFigureOut">
               <a:rPr lang="ko-KR" altLang="en-US" smtClean="0"/>
-              <a:t>2020-04-11</a:t>
+              <a:t>2020-04-15</a:t>
             </a:fld>
             <a:endParaRPr lang="ko-KR" altLang="en-US"/>
           </a:p>
@@ -1839,7 +1839,7 @@
           <a:p>
             <a:fld id="{F844BAB6-CA62-461C-8F80-A81D52D9A390}" type="datetimeFigureOut">
               <a:rPr lang="ko-KR" altLang="en-US" smtClean="0"/>
-              <a:t>2020-04-11</a:t>
+              <a:t>2020-04-15</a:t>
             </a:fld>
             <a:endParaRPr lang="ko-KR" altLang="en-US"/>
           </a:p>
@@ -2116,7 +2116,7 @@
           <a:p>
             <a:fld id="{F844BAB6-CA62-461C-8F80-A81D52D9A390}" type="datetimeFigureOut">
               <a:rPr lang="ko-KR" altLang="en-US" smtClean="0"/>
-              <a:t>2020-04-11</a:t>
+              <a:t>2020-04-15</a:t>
             </a:fld>
             <a:endParaRPr lang="ko-KR" altLang="en-US"/>
           </a:p>
@@ -2369,7 +2369,7 @@
           <a:p>
             <a:fld id="{F844BAB6-CA62-461C-8F80-A81D52D9A390}" type="datetimeFigureOut">
               <a:rPr lang="ko-KR" altLang="en-US" smtClean="0"/>
-              <a:t>2020-04-11</a:t>
+              <a:t>2020-04-15</a:t>
             </a:fld>
             <a:endParaRPr lang="ko-KR" altLang="en-US"/>
           </a:p>
@@ -2582,7 +2582,7 @@
           <a:p>
             <a:fld id="{F844BAB6-CA62-461C-8F80-A81D52D9A390}" type="datetimeFigureOut">
               <a:rPr lang="ko-KR" altLang="en-US" smtClean="0"/>
-              <a:t>2020-04-11</a:t>
+              <a:t>2020-04-15</a:t>
             </a:fld>
             <a:endParaRPr lang="ko-KR" altLang="en-US"/>
           </a:p>
@@ -2989,7 +2989,7 @@
       </p:grpSpPr>
       <p:pic>
         <p:nvPicPr>
-          <p:cNvPr id="5" name="그림 4"/>
+          <p:cNvPr id="2" name="그림 1"/>
           <p:cNvPicPr>
             <a:picLocks noChangeAspect="1"/>
           </p:cNvPicPr>
@@ -3003,8 +3003,8 @@
         </p:blipFill>
         <p:spPr>
           <a:xfrm>
-            <a:off x="197230" y="221437"/>
-            <a:ext cx="5001323" cy="3029373"/>
+            <a:off x="5214814" y="3181315"/>
+            <a:ext cx="1762371" cy="495369"/>
           </a:xfrm>
           <a:prstGeom prst="rect">
             <a:avLst/>
@@ -3013,7 +3013,7 @@
       </p:pic>
       <p:pic>
         <p:nvPicPr>
-          <p:cNvPr id="7" name="그림 6"/>
+          <p:cNvPr id="3" name="그림 2"/>
           <p:cNvPicPr>
             <a:picLocks noChangeAspect="1"/>
           </p:cNvPicPr>
@@ -3027,156 +3027,14 @@
         </p:blipFill>
         <p:spPr>
           <a:xfrm>
-            <a:off x="2265403" y="617838"/>
-            <a:ext cx="2338323" cy="1169160"/>
+            <a:off x="8373930" y="3167025"/>
+            <a:ext cx="1276528" cy="523948"/>
           </a:xfrm>
           <a:prstGeom prst="rect">
             <a:avLst/>
           </a:prstGeom>
         </p:spPr>
       </p:pic>
-      <p:pic>
-        <p:nvPicPr>
-          <p:cNvPr id="8" name="그림 7"/>
-          <p:cNvPicPr>
-            <a:picLocks noChangeAspect="1"/>
-          </p:cNvPicPr>
-          <p:nvPr/>
-        </p:nvPicPr>
-        <p:blipFill>
-          <a:blip r:embed="rId4"/>
-          <a:stretch>
-            <a:fillRect/>
-          </a:stretch>
-        </p:blipFill>
-        <p:spPr>
-          <a:xfrm>
-            <a:off x="5872573" y="-245584"/>
-            <a:ext cx="5191850" cy="2896004"/>
-          </a:xfrm>
-          <a:prstGeom prst="rect">
-            <a:avLst/>
-          </a:prstGeom>
-        </p:spPr>
-      </p:pic>
-      <p:pic>
-        <p:nvPicPr>
-          <p:cNvPr id="9" name="그림 8"/>
-          <p:cNvPicPr>
-            <a:picLocks noChangeAspect="1"/>
-          </p:cNvPicPr>
-          <p:nvPr/>
-        </p:nvPicPr>
-        <p:blipFill>
-          <a:blip r:embed="rId5"/>
-          <a:stretch>
-            <a:fillRect/>
-          </a:stretch>
-        </p:blipFill>
-        <p:spPr>
-          <a:xfrm>
-            <a:off x="281809" y="959063"/>
-            <a:ext cx="3967187" cy="827935"/>
-          </a:xfrm>
-          <a:prstGeom prst="rect">
-            <a:avLst/>
-          </a:prstGeom>
-        </p:spPr>
-      </p:pic>
-      <p:pic>
-        <p:nvPicPr>
-          <p:cNvPr id="10" name="그림 9"/>
-          <p:cNvPicPr>
-            <a:picLocks noChangeAspect="1"/>
-          </p:cNvPicPr>
-          <p:nvPr/>
-        </p:nvPicPr>
-        <p:blipFill>
-          <a:blip r:embed="rId6"/>
-          <a:stretch>
-            <a:fillRect/>
-          </a:stretch>
-        </p:blipFill>
-        <p:spPr>
-          <a:xfrm>
-            <a:off x="1702389" y="0"/>
-            <a:ext cx="1991003" cy="2962688"/>
-          </a:xfrm>
-          <a:prstGeom prst="rect">
-            <a:avLst/>
-          </a:prstGeom>
-        </p:spPr>
-      </p:pic>
-      <p:pic>
-        <p:nvPicPr>
-          <p:cNvPr id="11" name="그림 10"/>
-          <p:cNvPicPr>
-            <a:picLocks noChangeAspect="1"/>
-          </p:cNvPicPr>
-          <p:nvPr/>
-        </p:nvPicPr>
-        <p:blipFill>
-          <a:blip r:embed="rId7"/>
-          <a:stretch>
-            <a:fillRect/>
-          </a:stretch>
-        </p:blipFill>
-        <p:spPr>
-          <a:xfrm>
-            <a:off x="3693392" y="4197821"/>
-            <a:ext cx="5677692" cy="1848108"/>
-          </a:xfrm>
-          <a:prstGeom prst="rect">
-            <a:avLst/>
-          </a:prstGeom>
-        </p:spPr>
-      </p:pic>
-      <p:sp>
-        <p:nvSpPr>
-          <p:cNvPr id="12" name="직사각형 11"/>
-          <p:cNvSpPr/>
-          <p:nvPr/>
-        </p:nvSpPr>
-        <p:spPr>
-          <a:xfrm>
-            <a:off x="7933038" y="4543367"/>
-            <a:ext cx="716692" cy="1190167"/>
-          </a:xfrm>
-          <a:prstGeom prst="rect">
-            <a:avLst/>
-          </a:prstGeom>
-          <a:noFill/>
-          <a:ln w="38100">
-            <a:solidFill>
-              <a:srgbClr val="FF0000"/>
-            </a:solidFill>
-          </a:ln>
-        </p:spPr>
-        <p:style>
-          <a:lnRef idx="2">
-            <a:schemeClr val="accent1">
-              <a:shade val="50000"/>
-            </a:schemeClr>
-          </a:lnRef>
-          <a:fillRef idx="1">
-            <a:schemeClr val="accent1"/>
-          </a:fillRef>
-          <a:effectRef idx="0">
-            <a:schemeClr val="accent1"/>
-          </a:effectRef>
-          <a:fontRef idx="minor">
-            <a:schemeClr val="lt1"/>
-          </a:fontRef>
-        </p:style>
-        <p:txBody>
-          <a:bodyPr rtlCol="0" anchor="ctr"/>
-          <a:lstStyle/>
-          <a:p>
-            <a:pPr algn="ctr"/>
-            <a:endParaRPr lang="ko-KR" altLang="en-US"/>
-          </a:p>
-        </p:txBody>
-      </p:sp>
     </p:spTree>
     <p:extLst>
       <p:ext uri="{BB962C8B-B14F-4D97-AF65-F5344CB8AC3E}">
@@ -3507,246 +3365,6 @@
           <a:chExt cx="0" cy="0"/>
         </a:xfrm>
       </p:grpSpPr>
-      <p:pic>
-        <p:nvPicPr>
-          <p:cNvPr id="2" name="그림 1"/>
-          <p:cNvPicPr>
-            <a:picLocks noChangeAspect="1"/>
-          </p:cNvPicPr>
-          <p:nvPr/>
-        </p:nvPicPr>
-        <p:blipFill>
-          <a:blip r:embed="rId2"/>
-          <a:stretch>
-            <a:fillRect/>
-          </a:stretch>
-        </p:blipFill>
-        <p:spPr>
-          <a:xfrm>
-            <a:off x="157594" y="108813"/>
-            <a:ext cx="4441728" cy="684417"/>
-          </a:xfrm>
-          <a:prstGeom prst="rect">
-            <a:avLst/>
-          </a:prstGeom>
-        </p:spPr>
-      </p:pic>
-      <p:pic>
-        <p:nvPicPr>
-          <p:cNvPr id="3" name="그림 2"/>
-          <p:cNvPicPr>
-            <a:picLocks noChangeAspect="1"/>
-          </p:cNvPicPr>
-          <p:nvPr/>
-        </p:nvPicPr>
-        <p:blipFill>
-          <a:blip r:embed="rId3"/>
-          <a:stretch>
-            <a:fillRect/>
-          </a:stretch>
-        </p:blipFill>
-        <p:spPr>
-          <a:xfrm>
-            <a:off x="707072" y="-726136"/>
-            <a:ext cx="2476846" cy="2943636"/>
-          </a:xfrm>
-          <a:prstGeom prst="rect">
-            <a:avLst/>
-          </a:prstGeom>
-        </p:spPr>
-      </p:pic>
-      <p:pic>
-        <p:nvPicPr>
-          <p:cNvPr id="4" name="그림 3"/>
-          <p:cNvPicPr>
-            <a:picLocks noChangeAspect="1"/>
-          </p:cNvPicPr>
-          <p:nvPr/>
-        </p:nvPicPr>
-        <p:blipFill>
-          <a:blip r:embed="rId4"/>
-          <a:stretch>
-            <a:fillRect/>
-          </a:stretch>
-        </p:blipFill>
-        <p:spPr>
-          <a:xfrm>
-            <a:off x="157594" y="425790"/>
-            <a:ext cx="4654232" cy="734879"/>
-          </a:xfrm>
-          <a:prstGeom prst="rect">
-            <a:avLst/>
-          </a:prstGeom>
-        </p:spPr>
-      </p:pic>
-      <p:pic>
-        <p:nvPicPr>
-          <p:cNvPr id="5" name="그림 4"/>
-          <p:cNvPicPr>
-            <a:picLocks noChangeAspect="1"/>
-          </p:cNvPicPr>
-          <p:nvPr/>
-        </p:nvPicPr>
-        <p:blipFill>
-          <a:blip r:embed="rId5"/>
-          <a:stretch>
-            <a:fillRect/>
-          </a:stretch>
-        </p:blipFill>
-        <p:spPr>
-          <a:xfrm>
-            <a:off x="3710500" y="-678589"/>
-            <a:ext cx="2829320" cy="2943636"/>
-          </a:xfrm>
-          <a:prstGeom prst="rect">
-            <a:avLst/>
-          </a:prstGeom>
-        </p:spPr>
-      </p:pic>
-      <p:pic>
-        <p:nvPicPr>
-          <p:cNvPr id="6" name="그림 5"/>
-          <p:cNvPicPr>
-            <a:picLocks noChangeAspect="1"/>
-          </p:cNvPicPr>
-          <p:nvPr/>
-        </p:nvPicPr>
-        <p:blipFill>
-          <a:blip r:embed="rId6"/>
-          <a:stretch>
-            <a:fillRect/>
-          </a:stretch>
-        </p:blipFill>
-        <p:spPr>
-          <a:xfrm>
-            <a:off x="993577" y="278892"/>
-            <a:ext cx="3458058" cy="466790"/>
-          </a:xfrm>
-          <a:prstGeom prst="rect">
-            <a:avLst/>
-          </a:prstGeom>
-        </p:spPr>
-      </p:pic>
-      <p:pic>
-        <p:nvPicPr>
-          <p:cNvPr id="7" name="그림 6"/>
-          <p:cNvPicPr>
-            <a:picLocks noChangeAspect="1"/>
-          </p:cNvPicPr>
-          <p:nvPr/>
-        </p:nvPicPr>
-        <p:blipFill>
-          <a:blip r:embed="rId7"/>
-          <a:stretch>
-            <a:fillRect/>
-          </a:stretch>
-        </p:blipFill>
-        <p:spPr>
-          <a:xfrm>
-            <a:off x="5652486" y="-1050791"/>
-            <a:ext cx="3086531" cy="2953162"/>
-          </a:xfrm>
-          <a:prstGeom prst="rect">
-            <a:avLst/>
-          </a:prstGeom>
-        </p:spPr>
-      </p:pic>
-      <p:pic>
-        <p:nvPicPr>
-          <p:cNvPr id="8" name="그림 7"/>
-          <p:cNvPicPr>
-            <a:picLocks noChangeAspect="1"/>
-          </p:cNvPicPr>
-          <p:nvPr/>
-        </p:nvPicPr>
-        <p:blipFill>
-          <a:blip r:embed="rId8"/>
-          <a:stretch>
-            <a:fillRect/>
-          </a:stretch>
-        </p:blipFill>
-        <p:spPr>
-          <a:xfrm>
-            <a:off x="5133090" y="-1041265"/>
-            <a:ext cx="3458058" cy="2943636"/>
-          </a:xfrm>
-          <a:prstGeom prst="rect">
-            <a:avLst/>
-          </a:prstGeom>
-        </p:spPr>
-      </p:pic>
-      <p:pic>
-        <p:nvPicPr>
-          <p:cNvPr id="9" name="그림 8"/>
-          <p:cNvPicPr>
-            <a:picLocks noChangeAspect="1"/>
-          </p:cNvPicPr>
-          <p:nvPr/>
-        </p:nvPicPr>
-        <p:blipFill>
-          <a:blip r:embed="rId9"/>
-          <a:stretch>
-            <a:fillRect/>
-          </a:stretch>
-        </p:blipFill>
-        <p:spPr>
-          <a:xfrm>
-            <a:off x="-391436" y="66029"/>
-            <a:ext cx="4982098" cy="577969"/>
-          </a:xfrm>
-          <a:prstGeom prst="rect">
-            <a:avLst/>
-          </a:prstGeom>
-        </p:spPr>
-      </p:pic>
-      <p:pic>
-        <p:nvPicPr>
-          <p:cNvPr id="10" name="그림 9"/>
-          <p:cNvPicPr>
-            <a:picLocks noChangeAspect="1"/>
-          </p:cNvPicPr>
-          <p:nvPr/>
-        </p:nvPicPr>
-        <p:blipFill>
-          <a:blip r:embed="rId10"/>
-          <a:stretch>
-            <a:fillRect/>
-          </a:stretch>
-        </p:blipFill>
-        <p:spPr>
-          <a:xfrm>
-            <a:off x="293217" y="3782060"/>
-            <a:ext cx="7192379" cy="514422"/>
-          </a:xfrm>
-          <a:prstGeom prst="rect">
-            <a:avLst/>
-          </a:prstGeom>
-        </p:spPr>
-      </p:pic>
-      <p:pic>
-        <p:nvPicPr>
-          <p:cNvPr id="11" name="그림 10"/>
-          <p:cNvPicPr>
-            <a:picLocks noChangeAspect="1"/>
-          </p:cNvPicPr>
-          <p:nvPr/>
-        </p:nvPicPr>
-        <p:blipFill>
-          <a:blip r:embed="rId11"/>
-          <a:stretch>
-            <a:fillRect/>
-          </a:stretch>
-        </p:blipFill>
-        <p:spPr>
-          <a:xfrm>
-            <a:off x="8134810" y="2505532"/>
-            <a:ext cx="2619741" cy="3067478"/>
-          </a:xfrm>
-          <a:prstGeom prst="rect">
-            <a:avLst/>
-          </a:prstGeom>
-        </p:spPr>
-      </p:pic>
     </p:spTree>
     <p:extLst>
       <p:ext uri="{BB962C8B-B14F-4D97-AF65-F5344CB8AC3E}">
@@ -3779,7 +3397,7 @@
       </p:grpSpPr>
       <p:pic>
         <p:nvPicPr>
-          <p:cNvPr id="2" name="그림 1"/>
+          <p:cNvPr id="22" name="그림 21"/>
           <p:cNvPicPr>
             <a:picLocks noChangeAspect="1"/>
           </p:cNvPicPr>
@@ -3793,8 +3411,8 @@
         </p:blipFill>
         <p:spPr>
           <a:xfrm>
-            <a:off x="167204" y="223286"/>
-            <a:ext cx="5506218" cy="504895"/>
+            <a:off x="1668921" y="3298824"/>
+            <a:ext cx="3029373" cy="562053"/>
           </a:xfrm>
           <a:prstGeom prst="rect">
             <a:avLst/>
@@ -3803,7 +3421,7 @@
       </p:pic>
       <p:pic>
         <p:nvPicPr>
-          <p:cNvPr id="3" name="그림 2"/>
+          <p:cNvPr id="23" name="그림 22"/>
           <p:cNvPicPr>
             <a:picLocks noChangeAspect="1"/>
           </p:cNvPicPr>
@@ -3817,392 +3435,8 @@
         </p:blipFill>
         <p:spPr>
           <a:xfrm>
-            <a:off x="-394394" y="-986559"/>
-            <a:ext cx="1933845" cy="2924583"/>
-          </a:xfrm>
-          <a:prstGeom prst="rect">
-            <a:avLst/>
-          </a:prstGeom>
-        </p:spPr>
-      </p:pic>
-      <p:pic>
-        <p:nvPicPr>
-          <p:cNvPr id="4" name="그림 3"/>
-          <p:cNvPicPr>
-            <a:picLocks noChangeAspect="1"/>
-          </p:cNvPicPr>
-          <p:nvPr/>
-        </p:nvPicPr>
-        <p:blipFill>
-          <a:blip r:embed="rId4"/>
-          <a:stretch>
-            <a:fillRect/>
-          </a:stretch>
-        </p:blipFill>
-        <p:spPr>
-          <a:xfrm>
-            <a:off x="4160487" y="-582"/>
-            <a:ext cx="1943371" cy="676369"/>
-          </a:xfrm>
-          <a:prstGeom prst="rect">
-            <a:avLst/>
-          </a:prstGeom>
-        </p:spPr>
-      </p:pic>
-      <p:pic>
-        <p:nvPicPr>
-          <p:cNvPr id="5" name="그림 4"/>
-          <p:cNvPicPr>
-            <a:picLocks noChangeAspect="1"/>
-          </p:cNvPicPr>
-          <p:nvPr/>
-        </p:nvPicPr>
-        <p:blipFill>
-          <a:blip r:embed="rId5"/>
-          <a:stretch>
-            <a:fillRect/>
-          </a:stretch>
-        </p:blipFill>
-        <p:spPr>
-          <a:xfrm>
-            <a:off x="871382" y="-52978"/>
-            <a:ext cx="2219635" cy="781159"/>
-          </a:xfrm>
-          <a:prstGeom prst="rect">
-            <a:avLst/>
-          </a:prstGeom>
-        </p:spPr>
-      </p:pic>
-      <p:pic>
-        <p:nvPicPr>
-          <p:cNvPr id="6" name="그림 5"/>
-          <p:cNvPicPr>
-            <a:picLocks noChangeAspect="1"/>
-          </p:cNvPicPr>
-          <p:nvPr/>
-        </p:nvPicPr>
-        <p:blipFill>
-          <a:blip r:embed="rId6"/>
-          <a:stretch>
-            <a:fillRect/>
-          </a:stretch>
-        </p:blipFill>
-        <p:spPr>
-          <a:xfrm>
-            <a:off x="1539451" y="428100"/>
-            <a:ext cx="4877481" cy="714475"/>
-          </a:xfrm>
-          <a:prstGeom prst="rect">
-            <a:avLst/>
-          </a:prstGeom>
-        </p:spPr>
-      </p:pic>
-      <p:pic>
-        <p:nvPicPr>
-          <p:cNvPr id="7" name="그림 6"/>
-          <p:cNvPicPr>
-            <a:picLocks noChangeAspect="1"/>
-          </p:cNvPicPr>
-          <p:nvPr/>
-        </p:nvPicPr>
-        <p:blipFill>
-          <a:blip r:embed="rId7"/>
-          <a:stretch>
-            <a:fillRect/>
-          </a:stretch>
-        </p:blipFill>
-        <p:spPr>
-          <a:xfrm>
-            <a:off x="8283738" y="237573"/>
-            <a:ext cx="1991003" cy="1095528"/>
-          </a:xfrm>
-          <a:prstGeom prst="rect">
-            <a:avLst/>
-          </a:prstGeom>
-        </p:spPr>
-      </p:pic>
-      <p:pic>
-        <p:nvPicPr>
-          <p:cNvPr id="8" name="그림 7"/>
-          <p:cNvPicPr>
-            <a:picLocks noChangeAspect="1"/>
-          </p:cNvPicPr>
-          <p:nvPr/>
-        </p:nvPicPr>
-        <p:blipFill>
-          <a:blip r:embed="rId8"/>
-          <a:stretch>
-            <a:fillRect/>
-          </a:stretch>
-        </p:blipFill>
-        <p:spPr>
-          <a:xfrm>
-            <a:off x="188007" y="518602"/>
-            <a:ext cx="4944165" cy="781159"/>
-          </a:xfrm>
-          <a:prstGeom prst="rect">
-            <a:avLst/>
-          </a:prstGeom>
-        </p:spPr>
-      </p:pic>
-      <p:pic>
-        <p:nvPicPr>
-          <p:cNvPr id="9" name="그림 8"/>
-          <p:cNvPicPr>
-            <a:picLocks noChangeAspect="1"/>
-          </p:cNvPicPr>
-          <p:nvPr/>
-        </p:nvPicPr>
-        <p:blipFill>
-          <a:blip r:embed="rId9"/>
-          <a:stretch>
-            <a:fillRect/>
-          </a:stretch>
-        </p:blipFill>
-        <p:spPr>
-          <a:xfrm>
-            <a:off x="6091285" y="-306706"/>
-            <a:ext cx="1867161" cy="1571844"/>
-          </a:xfrm>
-          <a:prstGeom prst="rect">
-            <a:avLst/>
-          </a:prstGeom>
-        </p:spPr>
-      </p:pic>
-      <p:pic>
-        <p:nvPicPr>
-          <p:cNvPr id="10" name="그림 9"/>
-          <p:cNvPicPr>
-            <a:picLocks noChangeAspect="1"/>
-          </p:cNvPicPr>
-          <p:nvPr/>
-        </p:nvPicPr>
-        <p:blipFill>
-          <a:blip r:embed="rId10"/>
-          <a:stretch>
-            <a:fillRect/>
-          </a:stretch>
-        </p:blipFill>
-        <p:spPr>
-          <a:xfrm>
-            <a:off x="1683641" y="1124624"/>
-            <a:ext cx="4953691" cy="695422"/>
-          </a:xfrm>
-          <a:prstGeom prst="rect">
-            <a:avLst/>
-          </a:prstGeom>
-        </p:spPr>
-      </p:pic>
-      <p:pic>
-        <p:nvPicPr>
-          <p:cNvPr id="11" name="그림 10"/>
-          <p:cNvPicPr>
-            <a:picLocks noChangeAspect="1"/>
-          </p:cNvPicPr>
-          <p:nvPr/>
-        </p:nvPicPr>
-        <p:blipFill>
-          <a:blip r:embed="rId11"/>
-          <a:stretch>
-            <a:fillRect/>
-          </a:stretch>
-        </p:blipFill>
-        <p:spPr>
-          <a:xfrm>
-            <a:off x="8424390" y="376807"/>
-            <a:ext cx="1924319" cy="2191056"/>
-          </a:xfrm>
-          <a:prstGeom prst="rect">
-            <a:avLst/>
-          </a:prstGeom>
-        </p:spPr>
-      </p:pic>
-      <p:pic>
-        <p:nvPicPr>
-          <p:cNvPr id="12" name="그림 11"/>
-          <p:cNvPicPr>
-            <a:picLocks noChangeAspect="1"/>
-          </p:cNvPicPr>
-          <p:nvPr/>
-        </p:nvPicPr>
-        <p:blipFill>
-          <a:blip r:embed="rId12"/>
-          <a:stretch>
-            <a:fillRect/>
-          </a:stretch>
-        </p:blipFill>
-        <p:spPr>
-          <a:xfrm>
-            <a:off x="523799" y="137549"/>
-            <a:ext cx="4925112" cy="762106"/>
-          </a:xfrm>
-          <a:prstGeom prst="rect">
-            <a:avLst/>
-          </a:prstGeom>
-        </p:spPr>
-      </p:pic>
-      <p:pic>
-        <p:nvPicPr>
-          <p:cNvPr id="13" name="그림 12"/>
-          <p:cNvPicPr>
-            <a:picLocks noChangeAspect="1"/>
-          </p:cNvPicPr>
-          <p:nvPr/>
-        </p:nvPicPr>
-        <p:blipFill>
-          <a:blip r:embed="rId13"/>
-          <a:stretch>
-            <a:fillRect/>
-          </a:stretch>
-        </p:blipFill>
-        <p:spPr>
-          <a:xfrm>
-            <a:off x="7502453" y="-300663"/>
-            <a:ext cx="1829055" cy="1638529"/>
-          </a:xfrm>
-          <a:prstGeom prst="rect">
-            <a:avLst/>
-          </a:prstGeom>
-        </p:spPr>
-      </p:pic>
-      <p:pic>
-        <p:nvPicPr>
-          <p:cNvPr id="14" name="그림 13"/>
-          <p:cNvPicPr>
-            <a:picLocks noChangeAspect="1"/>
-          </p:cNvPicPr>
-          <p:nvPr/>
-        </p:nvPicPr>
-        <p:blipFill>
-          <a:blip r:embed="rId14"/>
-          <a:stretch>
-            <a:fillRect/>
-          </a:stretch>
-        </p:blipFill>
-        <p:spPr>
-          <a:xfrm>
-            <a:off x="460155" y="352517"/>
-            <a:ext cx="4782217" cy="762106"/>
-          </a:xfrm>
-          <a:prstGeom prst="rect">
-            <a:avLst/>
-          </a:prstGeom>
-        </p:spPr>
-      </p:pic>
-      <p:pic>
-        <p:nvPicPr>
-          <p:cNvPr id="15" name="그림 14"/>
-          <p:cNvPicPr>
-            <a:picLocks noChangeAspect="1"/>
-          </p:cNvPicPr>
-          <p:nvPr/>
-        </p:nvPicPr>
-        <p:blipFill>
-          <a:blip r:embed="rId15"/>
-          <a:stretch>
-            <a:fillRect/>
-          </a:stretch>
-        </p:blipFill>
-        <p:spPr>
-          <a:xfrm>
-            <a:off x="6441155" y="610202"/>
-            <a:ext cx="1790950" cy="1209844"/>
-          </a:xfrm>
-          <a:prstGeom prst="rect">
-            <a:avLst/>
-          </a:prstGeom>
-        </p:spPr>
-      </p:pic>
-      <p:pic>
-        <p:nvPicPr>
-          <p:cNvPr id="16" name="그림 15"/>
-          <p:cNvPicPr>
-            <a:picLocks noChangeAspect="1"/>
-          </p:cNvPicPr>
-          <p:nvPr/>
-        </p:nvPicPr>
-        <p:blipFill>
-          <a:blip r:embed="rId16"/>
-          <a:stretch>
-            <a:fillRect/>
-          </a:stretch>
-        </p:blipFill>
-        <p:spPr>
-          <a:xfrm>
-            <a:off x="1010027" y="905044"/>
-            <a:ext cx="4839375" cy="724001"/>
-          </a:xfrm>
-          <a:prstGeom prst="rect">
-            <a:avLst/>
-          </a:prstGeom>
-        </p:spPr>
-      </p:pic>
-      <p:pic>
-        <p:nvPicPr>
-          <p:cNvPr id="17" name="그림 16"/>
-          <p:cNvPicPr>
-            <a:picLocks noChangeAspect="1"/>
-          </p:cNvPicPr>
-          <p:nvPr/>
-        </p:nvPicPr>
-        <p:blipFill>
-          <a:blip r:embed="rId17"/>
-          <a:stretch>
-            <a:fillRect/>
-          </a:stretch>
-        </p:blipFill>
-        <p:spPr>
-          <a:xfrm>
-            <a:off x="6335850" y="1386597"/>
-            <a:ext cx="1886213" cy="800212"/>
-          </a:xfrm>
-          <a:prstGeom prst="rect">
-            <a:avLst/>
-          </a:prstGeom>
-        </p:spPr>
-      </p:pic>
-      <p:pic>
-        <p:nvPicPr>
-          <p:cNvPr id="18" name="그림 17"/>
-          <p:cNvPicPr>
-            <a:picLocks noChangeAspect="1"/>
-          </p:cNvPicPr>
-          <p:nvPr/>
-        </p:nvPicPr>
-        <p:blipFill>
-          <a:blip r:embed="rId18"/>
-          <a:stretch>
-            <a:fillRect/>
-          </a:stretch>
-        </p:blipFill>
-        <p:spPr>
-          <a:xfrm>
-            <a:off x="523799" y="5004389"/>
-            <a:ext cx="6554115" cy="685896"/>
-          </a:xfrm>
-          <a:prstGeom prst="rect">
-            <a:avLst/>
-          </a:prstGeom>
-        </p:spPr>
-      </p:pic>
-      <p:pic>
-        <p:nvPicPr>
-          <p:cNvPr id="19" name="그림 18"/>
-          <p:cNvPicPr>
-            <a:picLocks noChangeAspect="1"/>
-          </p:cNvPicPr>
-          <p:nvPr/>
-        </p:nvPicPr>
-        <p:blipFill>
-          <a:blip r:embed="rId19"/>
-          <a:stretch>
-            <a:fillRect/>
-          </a:stretch>
-        </p:blipFill>
-        <p:spPr>
-          <a:xfrm>
-            <a:off x="7502453" y="4204178"/>
-            <a:ext cx="2438740" cy="2286319"/>
+            <a:off x="7002388" y="1855586"/>
+            <a:ext cx="2419688" cy="3448531"/>
           </a:xfrm>
           <a:prstGeom prst="rect">
             <a:avLst/>
@@ -4239,102 +3473,6 @@
           <a:chExt cx="0" cy="0"/>
         </a:xfrm>
       </p:grpSpPr>
-      <p:pic>
-        <p:nvPicPr>
-          <p:cNvPr id="2" name="그림 1"/>
-          <p:cNvPicPr>
-            <a:picLocks noChangeAspect="1"/>
-          </p:cNvPicPr>
-          <p:nvPr/>
-        </p:nvPicPr>
-        <p:blipFill>
-          <a:blip r:embed="rId2"/>
-          <a:stretch>
-            <a:fillRect/>
-          </a:stretch>
-        </p:blipFill>
-        <p:spPr>
-          <a:xfrm>
-            <a:off x="728707" y="909330"/>
-            <a:ext cx="4877481" cy="714475"/>
-          </a:xfrm>
-          <a:prstGeom prst="rect">
-            <a:avLst/>
-          </a:prstGeom>
-        </p:spPr>
-      </p:pic>
-      <p:pic>
-        <p:nvPicPr>
-          <p:cNvPr id="3" name="그림 2"/>
-          <p:cNvPicPr>
-            <a:picLocks noChangeAspect="1"/>
-          </p:cNvPicPr>
-          <p:nvPr/>
-        </p:nvPicPr>
-        <p:blipFill>
-          <a:blip r:embed="rId3"/>
-          <a:stretch>
-            <a:fillRect/>
-          </a:stretch>
-        </p:blipFill>
-        <p:spPr>
-          <a:xfrm>
-            <a:off x="7780120" y="-831835"/>
-            <a:ext cx="1895740" cy="2915057"/>
-          </a:xfrm>
-          <a:prstGeom prst="rect">
-            <a:avLst/>
-          </a:prstGeom>
-        </p:spPr>
-      </p:pic>
-      <p:pic>
-        <p:nvPicPr>
-          <p:cNvPr id="4" name="그림 3"/>
-          <p:cNvPicPr>
-            <a:picLocks noChangeAspect="1"/>
-          </p:cNvPicPr>
-          <p:nvPr/>
-        </p:nvPicPr>
-        <p:blipFill>
-          <a:blip r:embed="rId4"/>
-          <a:stretch>
-            <a:fillRect/>
-          </a:stretch>
-        </p:blipFill>
-        <p:spPr>
-          <a:xfrm>
-            <a:off x="1099410" y="3641071"/>
-            <a:ext cx="4877481" cy="762106"/>
-          </a:xfrm>
-          <a:prstGeom prst="rect">
-            <a:avLst/>
-          </a:prstGeom>
-        </p:spPr>
-      </p:pic>
-      <p:pic>
-        <p:nvPicPr>
-          <p:cNvPr id="5" name="그림 4"/>
-          <p:cNvPicPr>
-            <a:picLocks noChangeAspect="1"/>
-          </p:cNvPicPr>
-          <p:nvPr/>
-        </p:nvPicPr>
-        <p:blipFill>
-          <a:blip r:embed="rId5"/>
-          <a:stretch>
-            <a:fillRect/>
-          </a:stretch>
-        </p:blipFill>
-        <p:spPr>
-          <a:xfrm>
-            <a:off x="7464504" y="2559832"/>
-            <a:ext cx="1933845" cy="2924583"/>
-          </a:xfrm>
-          <a:prstGeom prst="rect">
-            <a:avLst/>
-          </a:prstGeom>
-        </p:spPr>
-      </p:pic>
     </p:spTree>
     <p:extLst>
       <p:ext uri="{BB962C8B-B14F-4D97-AF65-F5344CB8AC3E}">

--- a/20학년도 1학기/데이터베이스 프로그래밍/블로그 포스팅 ppt.pptx
+++ b/20학년도 1학기/데이터베이스 프로그래밍/블로그 포스팅 ppt.pptx
@@ -261,7 +261,7 @@
           <a:p>
             <a:fld id="{F844BAB6-CA62-461C-8F80-A81D52D9A390}" type="datetimeFigureOut">
               <a:rPr lang="ko-KR" altLang="en-US" smtClean="0"/>
-              <a:t>2020-04-15</a:t>
+              <a:t>2020-05-14</a:t>
             </a:fld>
             <a:endParaRPr lang="ko-KR" altLang="en-US"/>
           </a:p>
@@ -431,7 +431,7 @@
           <a:p>
             <a:fld id="{F844BAB6-CA62-461C-8F80-A81D52D9A390}" type="datetimeFigureOut">
               <a:rPr lang="ko-KR" altLang="en-US" smtClean="0"/>
-              <a:t>2020-04-15</a:t>
+              <a:t>2020-05-14</a:t>
             </a:fld>
             <a:endParaRPr lang="ko-KR" altLang="en-US"/>
           </a:p>
@@ -611,7 +611,7 @@
           <a:p>
             <a:fld id="{F844BAB6-CA62-461C-8F80-A81D52D9A390}" type="datetimeFigureOut">
               <a:rPr lang="ko-KR" altLang="en-US" smtClean="0"/>
-              <a:t>2020-04-15</a:t>
+              <a:t>2020-05-14</a:t>
             </a:fld>
             <a:endParaRPr lang="ko-KR" altLang="en-US"/>
           </a:p>
@@ -781,7 +781,7 @@
           <a:p>
             <a:fld id="{F844BAB6-CA62-461C-8F80-A81D52D9A390}" type="datetimeFigureOut">
               <a:rPr lang="ko-KR" altLang="en-US" smtClean="0"/>
-              <a:t>2020-04-15</a:t>
+              <a:t>2020-05-14</a:t>
             </a:fld>
             <a:endParaRPr lang="ko-KR" altLang="en-US"/>
           </a:p>
@@ -1027,7 +1027,7 @@
           <a:p>
             <a:fld id="{F844BAB6-CA62-461C-8F80-A81D52D9A390}" type="datetimeFigureOut">
               <a:rPr lang="ko-KR" altLang="en-US" smtClean="0"/>
-              <a:t>2020-04-15</a:t>
+              <a:t>2020-05-14</a:t>
             </a:fld>
             <a:endParaRPr lang="ko-KR" altLang="en-US"/>
           </a:p>
@@ -1259,7 +1259,7 @@
           <a:p>
             <a:fld id="{F844BAB6-CA62-461C-8F80-A81D52D9A390}" type="datetimeFigureOut">
               <a:rPr lang="ko-KR" altLang="en-US" smtClean="0"/>
-              <a:t>2020-04-15</a:t>
+              <a:t>2020-05-14</a:t>
             </a:fld>
             <a:endParaRPr lang="ko-KR" altLang="en-US"/>
           </a:p>
@@ -1626,7 +1626,7 @@
           <a:p>
             <a:fld id="{F844BAB6-CA62-461C-8F80-A81D52D9A390}" type="datetimeFigureOut">
               <a:rPr lang="ko-KR" altLang="en-US" smtClean="0"/>
-              <a:t>2020-04-15</a:t>
+              <a:t>2020-05-14</a:t>
             </a:fld>
             <a:endParaRPr lang="ko-KR" altLang="en-US"/>
           </a:p>
@@ -1744,7 +1744,7 @@
           <a:p>
             <a:fld id="{F844BAB6-CA62-461C-8F80-A81D52D9A390}" type="datetimeFigureOut">
               <a:rPr lang="ko-KR" altLang="en-US" smtClean="0"/>
-              <a:t>2020-04-15</a:t>
+              <a:t>2020-05-14</a:t>
             </a:fld>
             <a:endParaRPr lang="ko-KR" altLang="en-US"/>
           </a:p>
@@ -1839,7 +1839,7 @@
           <a:p>
             <a:fld id="{F844BAB6-CA62-461C-8F80-A81D52D9A390}" type="datetimeFigureOut">
               <a:rPr lang="ko-KR" altLang="en-US" smtClean="0"/>
-              <a:t>2020-04-15</a:t>
+              <a:t>2020-05-14</a:t>
             </a:fld>
             <a:endParaRPr lang="ko-KR" altLang="en-US"/>
           </a:p>
@@ -2116,7 +2116,7 @@
           <a:p>
             <a:fld id="{F844BAB6-CA62-461C-8F80-A81D52D9A390}" type="datetimeFigureOut">
               <a:rPr lang="ko-KR" altLang="en-US" smtClean="0"/>
-              <a:t>2020-04-15</a:t>
+              <a:t>2020-05-14</a:t>
             </a:fld>
             <a:endParaRPr lang="ko-KR" altLang="en-US"/>
           </a:p>
@@ -2369,7 +2369,7 @@
           <a:p>
             <a:fld id="{F844BAB6-CA62-461C-8F80-A81D52D9A390}" type="datetimeFigureOut">
               <a:rPr lang="ko-KR" altLang="en-US" smtClean="0"/>
-              <a:t>2020-04-15</a:t>
+              <a:t>2020-05-14</a:t>
             </a:fld>
             <a:endParaRPr lang="ko-KR" altLang="en-US"/>
           </a:p>
@@ -2582,7 +2582,7 @@
           <a:p>
             <a:fld id="{F844BAB6-CA62-461C-8F80-A81D52D9A390}" type="datetimeFigureOut">
               <a:rPr lang="ko-KR" altLang="en-US" smtClean="0"/>
-              <a:t>2020-04-15</a:t>
+              <a:t>2020-05-14</a:t>
             </a:fld>
             <a:endParaRPr lang="ko-KR" altLang="en-US"/>
           </a:p>
@@ -3365,6 +3365,492 @@
           <a:chExt cx="0" cy="0"/>
         </a:xfrm>
       </p:grpSpPr>
+      <p:sp>
+        <p:nvSpPr>
+          <p:cNvPr id="2" name="모서리가 둥근 직사각형 1"/>
+          <p:cNvSpPr/>
+          <p:nvPr/>
+        </p:nvSpPr>
+        <p:spPr>
+          <a:xfrm>
+            <a:off x="4749800" y="2252133"/>
+            <a:ext cx="1295400" cy="558800"/>
+          </a:xfrm>
+          <a:prstGeom prst="roundRect">
+            <a:avLst/>
+          </a:prstGeom>
+          <a:noFill/>
+          <a:ln w="28575">
+            <a:solidFill>
+              <a:schemeClr val="accent4">
+                <a:lumMod val="75000"/>
+              </a:schemeClr>
+            </a:solidFill>
+          </a:ln>
+        </p:spPr>
+        <p:style>
+          <a:lnRef idx="2">
+            <a:schemeClr val="accent1">
+              <a:shade val="50000"/>
+            </a:schemeClr>
+          </a:lnRef>
+          <a:fillRef idx="1">
+            <a:schemeClr val="accent1"/>
+          </a:fillRef>
+          <a:effectRef idx="0">
+            <a:schemeClr val="accent1"/>
+          </a:effectRef>
+          <a:fontRef idx="minor">
+            <a:schemeClr val="lt1"/>
+          </a:fontRef>
+        </p:style>
+        <p:txBody>
+          <a:bodyPr rtlCol="0" anchor="ctr"/>
+          <a:lstStyle/>
+          <a:p>
+            <a:pPr algn="ctr"/>
+            <a:endParaRPr lang="ko-KR" altLang="en-US"/>
+          </a:p>
+        </p:txBody>
+      </p:sp>
+      <p:sp>
+        <p:nvSpPr>
+          <p:cNvPr id="3" name="모서리가 둥근 직사각형 2"/>
+          <p:cNvSpPr/>
+          <p:nvPr/>
+        </p:nvSpPr>
+        <p:spPr>
+          <a:xfrm>
+            <a:off x="1532467" y="2252133"/>
+            <a:ext cx="1295400" cy="558800"/>
+          </a:xfrm>
+          <a:prstGeom prst="roundRect">
+            <a:avLst/>
+          </a:prstGeom>
+          <a:noFill/>
+          <a:ln w="28575">
+            <a:solidFill>
+              <a:schemeClr val="accent4">
+                <a:lumMod val="75000"/>
+              </a:schemeClr>
+            </a:solidFill>
+          </a:ln>
+        </p:spPr>
+        <p:style>
+          <a:lnRef idx="2">
+            <a:schemeClr val="accent1">
+              <a:shade val="50000"/>
+            </a:schemeClr>
+          </a:lnRef>
+          <a:fillRef idx="1">
+            <a:schemeClr val="accent1"/>
+          </a:fillRef>
+          <a:effectRef idx="0">
+            <a:schemeClr val="accent1"/>
+          </a:effectRef>
+          <a:fontRef idx="minor">
+            <a:schemeClr val="lt1"/>
+          </a:fontRef>
+        </p:style>
+        <p:txBody>
+          <a:bodyPr rtlCol="0" anchor="ctr"/>
+          <a:lstStyle/>
+          <a:p>
+            <a:pPr algn="ctr"/>
+            <a:endParaRPr lang="ko-KR" altLang="en-US"/>
+          </a:p>
+        </p:txBody>
+      </p:sp>
+      <p:sp>
+        <p:nvSpPr>
+          <p:cNvPr id="4" name="모서리가 둥근 직사각형 3"/>
+          <p:cNvSpPr/>
+          <p:nvPr/>
+        </p:nvSpPr>
+        <p:spPr>
+          <a:xfrm>
+            <a:off x="7967133" y="2252133"/>
+            <a:ext cx="1295400" cy="558800"/>
+          </a:xfrm>
+          <a:prstGeom prst="roundRect">
+            <a:avLst/>
+          </a:prstGeom>
+          <a:noFill/>
+          <a:ln w="28575">
+            <a:solidFill>
+              <a:schemeClr val="accent4">
+                <a:lumMod val="75000"/>
+              </a:schemeClr>
+            </a:solidFill>
+          </a:ln>
+        </p:spPr>
+        <p:style>
+          <a:lnRef idx="2">
+            <a:schemeClr val="accent1">
+              <a:shade val="50000"/>
+            </a:schemeClr>
+          </a:lnRef>
+          <a:fillRef idx="1">
+            <a:schemeClr val="accent1"/>
+          </a:fillRef>
+          <a:effectRef idx="0">
+            <a:schemeClr val="accent1"/>
+          </a:effectRef>
+          <a:fontRef idx="minor">
+            <a:schemeClr val="lt1"/>
+          </a:fontRef>
+        </p:style>
+        <p:txBody>
+          <a:bodyPr rtlCol="0" anchor="ctr"/>
+          <a:lstStyle/>
+          <a:p>
+            <a:pPr algn="ctr"/>
+            <a:endParaRPr lang="ko-KR" altLang="en-US"/>
+          </a:p>
+        </p:txBody>
+      </p:sp>
+      <p:sp>
+        <p:nvSpPr>
+          <p:cNvPr id="5" name="TextBox 4"/>
+          <p:cNvSpPr txBox="1"/>
+          <p:nvPr/>
+        </p:nvSpPr>
+        <p:spPr>
+          <a:xfrm>
+            <a:off x="1615749" y="2346867"/>
+            <a:ext cx="1128835" cy="369332"/>
+          </a:xfrm>
+          <a:prstGeom prst="rect">
+            <a:avLst/>
+          </a:prstGeom>
+          <a:noFill/>
+        </p:spPr>
+        <p:txBody>
+          <a:bodyPr wrap="none" rtlCol="0">
+            <a:spAutoFit/>
+          </a:bodyPr>
+          <a:lstStyle/>
+          <a:p>
+            <a:r>
+              <a:rPr lang="en-US" altLang="ko-KR" dirty="0" smtClean="0"/>
+              <a:t>NUMBER</a:t>
+            </a:r>
+            <a:endParaRPr lang="ko-KR" altLang="en-US" dirty="0"/>
+          </a:p>
+        </p:txBody>
+      </p:sp>
+      <p:sp>
+        <p:nvSpPr>
+          <p:cNvPr id="6" name="TextBox 5"/>
+          <p:cNvSpPr txBox="1"/>
+          <p:nvPr/>
+        </p:nvSpPr>
+        <p:spPr>
+          <a:xfrm>
+            <a:off x="4833082" y="2346867"/>
+            <a:ext cx="1178208" cy="369332"/>
+          </a:xfrm>
+          <a:prstGeom prst="rect">
+            <a:avLst/>
+          </a:prstGeom>
+          <a:noFill/>
+        </p:spPr>
+        <p:txBody>
+          <a:bodyPr wrap="none" rtlCol="0">
+            <a:spAutoFit/>
+          </a:bodyPr>
+          <a:lstStyle/>
+          <a:p>
+            <a:r>
+              <a:rPr lang="en-US" altLang="ko-KR" dirty="0" smtClean="0"/>
+              <a:t>Character</a:t>
+            </a:r>
+            <a:endParaRPr lang="ko-KR" altLang="en-US" dirty="0"/>
+          </a:p>
+        </p:txBody>
+      </p:sp>
+      <p:sp>
+        <p:nvSpPr>
+          <p:cNvPr id="7" name="TextBox 6"/>
+          <p:cNvSpPr txBox="1"/>
+          <p:nvPr/>
+        </p:nvSpPr>
+        <p:spPr>
+          <a:xfrm>
+            <a:off x="8253740" y="2346867"/>
+            <a:ext cx="722185" cy="369332"/>
+          </a:xfrm>
+          <a:prstGeom prst="rect">
+            <a:avLst/>
+          </a:prstGeom>
+          <a:noFill/>
+        </p:spPr>
+        <p:txBody>
+          <a:bodyPr wrap="none" rtlCol="0">
+            <a:spAutoFit/>
+          </a:bodyPr>
+          <a:lstStyle/>
+          <a:p>
+            <a:r>
+              <a:rPr lang="en-US" altLang="ko-KR" dirty="0" smtClean="0"/>
+              <a:t>DATE</a:t>
+            </a:r>
+            <a:endParaRPr lang="ko-KR" altLang="en-US" dirty="0"/>
+          </a:p>
+        </p:txBody>
+      </p:sp>
+      <p:cxnSp>
+        <p:nvCxnSpPr>
+          <p:cNvPr id="9" name="직선 화살표 연결선 8"/>
+          <p:cNvCxnSpPr/>
+          <p:nvPr/>
+        </p:nvCxnSpPr>
+        <p:spPr>
+          <a:xfrm flipH="1">
+            <a:off x="3115733" y="2346867"/>
+            <a:ext cx="1388534" cy="0"/>
+          </a:xfrm>
+          <a:prstGeom prst="straightConnector1">
+            <a:avLst/>
+          </a:prstGeom>
+          <a:ln>
+            <a:tailEnd type="triangle"/>
+          </a:ln>
+        </p:spPr>
+        <p:style>
+          <a:lnRef idx="1">
+            <a:schemeClr val="accent1"/>
+          </a:lnRef>
+          <a:fillRef idx="0">
+            <a:schemeClr val="accent1"/>
+          </a:fillRef>
+          <a:effectRef idx="0">
+            <a:schemeClr val="accent1"/>
+          </a:effectRef>
+          <a:fontRef idx="minor">
+            <a:schemeClr val="tx1"/>
+          </a:fontRef>
+        </p:style>
+      </p:cxnSp>
+      <p:cxnSp>
+        <p:nvCxnSpPr>
+          <p:cNvPr id="10" name="직선 화살표 연결선 9"/>
+          <p:cNvCxnSpPr/>
+          <p:nvPr/>
+        </p:nvCxnSpPr>
+        <p:spPr>
+          <a:xfrm flipH="1">
+            <a:off x="6333067" y="2346867"/>
+            <a:ext cx="1388534" cy="0"/>
+          </a:xfrm>
+          <a:prstGeom prst="straightConnector1">
+            <a:avLst/>
+          </a:prstGeom>
+          <a:ln>
+            <a:tailEnd type="triangle"/>
+          </a:ln>
+        </p:spPr>
+        <p:style>
+          <a:lnRef idx="1">
+            <a:schemeClr val="accent1"/>
+          </a:lnRef>
+          <a:fillRef idx="0">
+            <a:schemeClr val="accent1"/>
+          </a:fillRef>
+          <a:effectRef idx="0">
+            <a:schemeClr val="accent1"/>
+          </a:effectRef>
+          <a:fontRef idx="minor">
+            <a:schemeClr val="tx1"/>
+          </a:fontRef>
+        </p:style>
+      </p:cxnSp>
+      <p:cxnSp>
+        <p:nvCxnSpPr>
+          <p:cNvPr id="12" name="직선 화살표 연결선 11"/>
+          <p:cNvCxnSpPr/>
+          <p:nvPr/>
+        </p:nvCxnSpPr>
+        <p:spPr>
+          <a:xfrm>
+            <a:off x="3175000" y="2716199"/>
+            <a:ext cx="1329267" cy="0"/>
+          </a:xfrm>
+          <a:prstGeom prst="straightConnector1">
+            <a:avLst/>
+          </a:prstGeom>
+          <a:ln>
+            <a:tailEnd type="triangle"/>
+          </a:ln>
+        </p:spPr>
+        <p:style>
+          <a:lnRef idx="1">
+            <a:schemeClr val="accent1"/>
+          </a:lnRef>
+          <a:fillRef idx="0">
+            <a:schemeClr val="accent1"/>
+          </a:fillRef>
+          <a:effectRef idx="0">
+            <a:schemeClr val="accent1"/>
+          </a:effectRef>
+          <a:fontRef idx="minor">
+            <a:schemeClr val="tx1"/>
+          </a:fontRef>
+        </p:style>
+      </p:cxnSp>
+      <p:cxnSp>
+        <p:nvCxnSpPr>
+          <p:cNvPr id="13" name="직선 화살표 연결선 12"/>
+          <p:cNvCxnSpPr/>
+          <p:nvPr/>
+        </p:nvCxnSpPr>
+        <p:spPr>
+          <a:xfrm>
+            <a:off x="6392334" y="2716199"/>
+            <a:ext cx="1329267" cy="0"/>
+          </a:xfrm>
+          <a:prstGeom prst="straightConnector1">
+            <a:avLst/>
+          </a:prstGeom>
+          <a:ln>
+            <a:tailEnd type="triangle"/>
+          </a:ln>
+        </p:spPr>
+        <p:style>
+          <a:lnRef idx="1">
+            <a:schemeClr val="accent1"/>
+          </a:lnRef>
+          <a:fillRef idx="0">
+            <a:schemeClr val="accent1"/>
+          </a:fillRef>
+          <a:effectRef idx="0">
+            <a:schemeClr val="accent1"/>
+          </a:effectRef>
+          <a:fontRef idx="minor">
+            <a:schemeClr val="tx1"/>
+          </a:fontRef>
+        </p:style>
+      </p:cxnSp>
+      <p:sp>
+        <p:nvSpPr>
+          <p:cNvPr id="14" name="TextBox 13"/>
+          <p:cNvSpPr txBox="1"/>
+          <p:nvPr/>
+        </p:nvSpPr>
+        <p:spPr>
+          <a:xfrm>
+            <a:off x="3227446" y="1933313"/>
+            <a:ext cx="1224374" cy="307777"/>
+          </a:xfrm>
+          <a:prstGeom prst="rect">
+            <a:avLst/>
+          </a:prstGeom>
+          <a:noFill/>
+        </p:spPr>
+        <p:txBody>
+          <a:bodyPr wrap="none" rtlCol="0">
+            <a:spAutoFit/>
+          </a:bodyPr>
+          <a:lstStyle/>
+          <a:p>
+            <a:r>
+              <a:rPr lang="en-US" altLang="ko-KR" sz="1400" dirty="0" smtClean="0"/>
+              <a:t>TO_NUMBER</a:t>
+            </a:r>
+            <a:endParaRPr lang="ko-KR" altLang="en-US" sz="1400" dirty="0"/>
+          </a:p>
+        </p:txBody>
+      </p:sp>
+      <p:sp>
+        <p:nvSpPr>
+          <p:cNvPr id="15" name="TextBox 14"/>
+          <p:cNvSpPr txBox="1"/>
+          <p:nvPr/>
+        </p:nvSpPr>
+        <p:spPr>
+          <a:xfrm>
+            <a:off x="6415147" y="1933312"/>
+            <a:ext cx="959878" cy="307777"/>
+          </a:xfrm>
+          <a:prstGeom prst="rect">
+            <a:avLst/>
+          </a:prstGeom>
+          <a:noFill/>
+        </p:spPr>
+        <p:txBody>
+          <a:bodyPr wrap="none" rtlCol="0">
+            <a:spAutoFit/>
+          </a:bodyPr>
+          <a:lstStyle/>
+          <a:p>
+            <a:r>
+              <a:rPr lang="en-US" altLang="ko-KR" sz="1400" dirty="0" smtClean="0"/>
+              <a:t>TO_CHAR</a:t>
+            </a:r>
+            <a:endParaRPr lang="ko-KR" altLang="en-US" sz="1400" dirty="0"/>
+          </a:p>
+        </p:txBody>
+      </p:sp>
+      <p:sp>
+        <p:nvSpPr>
+          <p:cNvPr id="16" name="TextBox 15"/>
+          <p:cNvSpPr txBox="1"/>
+          <p:nvPr/>
+        </p:nvSpPr>
+        <p:spPr>
+          <a:xfrm>
+            <a:off x="6392334" y="2812421"/>
+            <a:ext cx="907556" cy="307777"/>
+          </a:xfrm>
+          <a:prstGeom prst="rect">
+            <a:avLst/>
+          </a:prstGeom>
+          <a:noFill/>
+        </p:spPr>
+        <p:txBody>
+          <a:bodyPr wrap="none" rtlCol="0">
+            <a:spAutoFit/>
+          </a:bodyPr>
+          <a:lstStyle/>
+          <a:p>
+            <a:r>
+              <a:rPr lang="en-US" altLang="ko-KR" sz="1400" dirty="0" smtClean="0"/>
+              <a:t>TO_DATE</a:t>
+            </a:r>
+            <a:endParaRPr lang="ko-KR" altLang="en-US" sz="1400" dirty="0"/>
+          </a:p>
+        </p:txBody>
+      </p:sp>
+      <p:sp>
+        <p:nvSpPr>
+          <p:cNvPr id="17" name="TextBox 16"/>
+          <p:cNvSpPr txBox="1"/>
+          <p:nvPr/>
+        </p:nvSpPr>
+        <p:spPr>
+          <a:xfrm>
+            <a:off x="3175000" y="2812421"/>
+            <a:ext cx="959878" cy="307777"/>
+          </a:xfrm>
+          <a:prstGeom prst="rect">
+            <a:avLst/>
+          </a:prstGeom>
+          <a:noFill/>
+        </p:spPr>
+        <p:txBody>
+          <a:bodyPr wrap="none" rtlCol="0">
+            <a:spAutoFit/>
+          </a:bodyPr>
+          <a:lstStyle/>
+          <a:p>
+            <a:r>
+              <a:rPr lang="en-US" altLang="ko-KR" sz="1400" dirty="0" smtClean="0"/>
+              <a:t>TO_CHAR</a:t>
+            </a:r>
+            <a:endParaRPr lang="ko-KR" altLang="en-US" sz="1400" dirty="0"/>
+          </a:p>
+        </p:txBody>
+      </p:sp>
     </p:spTree>
     <p:extLst>
       <p:ext uri="{BB962C8B-B14F-4D97-AF65-F5344CB8AC3E}">
